--- a/documentacion/SOD-Presentacion.pptx
+++ b/documentacion/SOD-Presentacion.pptx
@@ -16,8 +16,8 @@
     <p:sldId id="278" r:id="rId7"/>
     <p:sldId id="280" r:id="rId8"/>
     <p:sldId id="271" r:id="rId9"/>
-    <p:sldId id="272" r:id="rId10"/>
-    <p:sldId id="276" r:id="rId11"/>
+    <p:sldId id="276" r:id="rId10"/>
+    <p:sldId id="272" r:id="rId11"/>
     <p:sldId id="273" r:id="rId12"/>
     <p:sldId id="274" r:id="rId13"/>
     <p:sldId id="275" r:id="rId14"/>
@@ -636,7 +636,7 @@
     </p:spTree>
     <p:extLst>
       <p:ext uri="{BB962C8B-B14F-4D97-AF65-F5344CB8AC3E}">
-        <p14:creationId xmlns:p14="http://schemas.microsoft.com/office/powerpoint/2010/main" val="2663571239"/>
+        <p14:creationId xmlns:p14="http://schemas.microsoft.com/office/powerpoint/2010/main" val="3993581816"/>
       </p:ext>
     </p:extLst>
   </p:cSld>
@@ -1644,7 +1644,7 @@
     </p:spTree>
     <p:extLst>
       <p:ext uri="{BB962C8B-B14F-4D97-AF65-F5344CB8AC3E}">
-        <p14:creationId xmlns:p14="http://schemas.microsoft.com/office/powerpoint/2010/main" val="3993581816"/>
+        <p14:creationId xmlns:p14="http://schemas.microsoft.com/office/powerpoint/2010/main" val="2663571239"/>
       </p:ext>
     </p:extLst>
   </p:cSld>
@@ -7394,11 +7394,7 @@
             <a:pPr algn="ctr"/>
             <a:r>
               <a:rPr lang="es-ES" u="sng" dirty="0" smtClean="0"/>
-              <a:t>Arquitectura </a:t>
-            </a:r>
-            <a:r>
-              <a:rPr lang="es-ES" u="sng" dirty="0" smtClean="0"/>
-              <a:t>de servidores concurrentes</a:t>
+              <a:t>Arquitectura de servidores concurrentes</a:t>
             </a:r>
             <a:r>
               <a:rPr lang="es-ES" dirty="0" smtClean="0"/>
@@ -7410,10 +7406,6 @@
             <a:r>
               <a:rPr lang="es-ES" dirty="0" smtClean="0"/>
               <a:t>con</a:t>
-            </a:r>
-            <a:r>
-              <a:rPr lang="es-ES" dirty="0" smtClean="0"/>
-              <a:t/>
             </a:r>
             <a:br>
               <a:rPr lang="es-ES" dirty="0" smtClean="0"/>
@@ -7691,112 +7683,9 @@
           </a:p>
         </p:txBody>
       </p:sp>
-      <p:sp>
-        <p:nvSpPr>
-          <p:cNvPr id="13" name="Title 1"/>
-          <p:cNvSpPr txBox="1">
-            <a:spLocks/>
-          </p:cNvSpPr>
-          <p:nvPr/>
-        </p:nvSpPr>
-        <p:spPr>
-          <a:xfrm>
-            <a:off x="6297612" y="0"/>
-            <a:ext cx="2752344" cy="822960"/>
-          </a:xfrm>
-          <a:prstGeom prst="rect">
-            <a:avLst/>
-          </a:prstGeom>
-        </p:spPr>
-        <p:txBody>
-          <a:bodyPr vert="horz" lIns="91440" tIns="45720" rIns="91440" bIns="45720" rtlCol="0" anchor="b">
-            <a:noAutofit/>
-          </a:bodyPr>
-          <a:lstStyle>
-            <a:lvl1pPr algn="r" defTabSz="457200" rtl="0" eaLnBrk="1" latinLnBrk="0" hangingPunct="1">
-              <a:spcBef>
-                <a:spcPct val="0"/>
-              </a:spcBef>
-              <a:buNone/>
-              <a:defRPr sz="5400" kern="1200">
-                <a:solidFill>
-                  <a:schemeClr val="accent1"/>
-                </a:solidFill>
-                <a:latin typeface="+mj-lt"/>
-                <a:ea typeface="+mj-ea"/>
-                <a:cs typeface="+mj-cs"/>
-              </a:defRPr>
-            </a:lvl1pPr>
-            <a:lvl2pPr eaLnBrk="1" hangingPunct="1">
-              <a:defRPr>
-                <a:solidFill>
-                  <a:schemeClr val="tx2"/>
-                </a:solidFill>
-              </a:defRPr>
-            </a:lvl2pPr>
-            <a:lvl3pPr eaLnBrk="1" hangingPunct="1">
-              <a:defRPr>
-                <a:solidFill>
-                  <a:schemeClr val="tx2"/>
-                </a:solidFill>
-              </a:defRPr>
-            </a:lvl3pPr>
-            <a:lvl4pPr eaLnBrk="1" hangingPunct="1">
-              <a:defRPr>
-                <a:solidFill>
-                  <a:schemeClr val="tx2"/>
-                </a:solidFill>
-              </a:defRPr>
-            </a:lvl4pPr>
-            <a:lvl5pPr eaLnBrk="1" hangingPunct="1">
-              <a:defRPr>
-                <a:solidFill>
-                  <a:schemeClr val="tx2"/>
-                </a:solidFill>
-              </a:defRPr>
-            </a:lvl5pPr>
-            <a:lvl6pPr eaLnBrk="1" hangingPunct="1">
-              <a:defRPr>
-                <a:solidFill>
-                  <a:schemeClr val="tx2"/>
-                </a:solidFill>
-              </a:defRPr>
-            </a:lvl6pPr>
-            <a:lvl7pPr eaLnBrk="1" hangingPunct="1">
-              <a:defRPr>
-                <a:solidFill>
-                  <a:schemeClr val="tx2"/>
-                </a:solidFill>
-              </a:defRPr>
-            </a:lvl7pPr>
-            <a:lvl8pPr eaLnBrk="1" hangingPunct="1">
-              <a:defRPr>
-                <a:solidFill>
-                  <a:schemeClr val="tx2"/>
-                </a:solidFill>
-              </a:defRPr>
-            </a:lvl8pPr>
-            <a:lvl9pPr eaLnBrk="1" hangingPunct="1">
-              <a:defRPr>
-                <a:solidFill>
-                  <a:schemeClr val="tx2"/>
-                </a:solidFill>
-              </a:defRPr>
-            </a:lvl9pPr>
-          </a:lstStyle>
-          <a:p>
-            <a:pPr algn="l"/>
-            <a:r>
-              <a:rPr lang="es-ES" sz="2800" dirty="0" smtClean="0"/>
-              <a:t>Función de selección de DB</a:t>
-            </a:r>
-            <a:endParaRPr lang="es-ES" sz="2800" dirty="0"/>
-          </a:p>
-        </p:txBody>
-      </p:sp>
       <p:pic>
         <p:nvPicPr>
-          <p:cNvPr id="3" name="Picture 2"/>
+          <p:cNvPr id="10" name="Picture 9"/>
           <p:cNvPicPr>
             <a:picLocks noChangeAspect="1"/>
           </p:cNvPicPr>
@@ -7810,8 +7699,8 @@
         </p:blipFill>
         <p:spPr>
           <a:xfrm>
-            <a:off x="0" y="822960"/>
-            <a:ext cx="5161743" cy="6030745"/>
+            <a:off x="107730" y="822960"/>
+            <a:ext cx="3741894" cy="5602942"/>
           </a:xfrm>
           <a:prstGeom prst="rect">
             <a:avLst/>
@@ -7820,7 +7709,7 @@
       </p:pic>
       <p:pic>
         <p:nvPicPr>
-          <p:cNvPr id="7" name="Picture 6"/>
+          <p:cNvPr id="12" name="Picture 11"/>
           <p:cNvPicPr>
             <a:picLocks noChangeAspect="1"/>
           </p:cNvPicPr>
@@ -7834,8 +7723,159 @@
         </p:blipFill>
         <p:spPr>
           <a:xfrm>
-            <a:off x="5317082" y="1073217"/>
-            <a:ext cx="6559172" cy="5709313"/>
+            <a:off x="3893876" y="822960"/>
+            <a:ext cx="8238591" cy="1097280"/>
+          </a:xfrm>
+          <a:prstGeom prst="rect">
+            <a:avLst/>
+          </a:prstGeom>
+        </p:spPr>
+      </p:pic>
+      <p:sp>
+        <p:nvSpPr>
+          <p:cNvPr id="13" name="Title 1"/>
+          <p:cNvSpPr txBox="1">
+            <a:spLocks/>
+          </p:cNvSpPr>
+          <p:nvPr/>
+        </p:nvSpPr>
+        <p:spPr>
+          <a:xfrm>
+            <a:off x="6297612" y="0"/>
+            <a:ext cx="2752344" cy="822960"/>
+          </a:xfrm>
+          <a:prstGeom prst="rect">
+            <a:avLst/>
+          </a:prstGeom>
+        </p:spPr>
+        <p:txBody>
+          <a:bodyPr vert="horz" lIns="91440" tIns="45720" rIns="91440" bIns="45720" rtlCol="0" anchor="b">
+            <a:noAutofit/>
+          </a:bodyPr>
+          <a:lstStyle>
+            <a:lvl1pPr algn="r" defTabSz="457200" rtl="0" eaLnBrk="1" latinLnBrk="0" hangingPunct="1">
+              <a:spcBef>
+                <a:spcPct val="0"/>
+              </a:spcBef>
+              <a:buNone/>
+              <a:defRPr sz="5400" kern="1200">
+                <a:solidFill>
+                  <a:schemeClr val="accent1"/>
+                </a:solidFill>
+                <a:latin typeface="+mj-lt"/>
+                <a:ea typeface="+mj-ea"/>
+                <a:cs typeface="+mj-cs"/>
+              </a:defRPr>
+            </a:lvl1pPr>
+            <a:lvl2pPr eaLnBrk="1" hangingPunct="1">
+              <a:defRPr>
+                <a:solidFill>
+                  <a:schemeClr val="tx2"/>
+                </a:solidFill>
+              </a:defRPr>
+            </a:lvl2pPr>
+            <a:lvl3pPr eaLnBrk="1" hangingPunct="1">
+              <a:defRPr>
+                <a:solidFill>
+                  <a:schemeClr val="tx2"/>
+                </a:solidFill>
+              </a:defRPr>
+            </a:lvl3pPr>
+            <a:lvl4pPr eaLnBrk="1" hangingPunct="1">
+              <a:defRPr>
+                <a:solidFill>
+                  <a:schemeClr val="tx2"/>
+                </a:solidFill>
+              </a:defRPr>
+            </a:lvl4pPr>
+            <a:lvl5pPr eaLnBrk="1" hangingPunct="1">
+              <a:defRPr>
+                <a:solidFill>
+                  <a:schemeClr val="tx2"/>
+                </a:solidFill>
+              </a:defRPr>
+            </a:lvl5pPr>
+            <a:lvl6pPr eaLnBrk="1" hangingPunct="1">
+              <a:defRPr>
+                <a:solidFill>
+                  <a:schemeClr val="tx2"/>
+                </a:solidFill>
+              </a:defRPr>
+            </a:lvl6pPr>
+            <a:lvl7pPr eaLnBrk="1" hangingPunct="1">
+              <a:defRPr>
+                <a:solidFill>
+                  <a:schemeClr val="tx2"/>
+                </a:solidFill>
+              </a:defRPr>
+            </a:lvl7pPr>
+            <a:lvl8pPr eaLnBrk="1" hangingPunct="1">
+              <a:defRPr>
+                <a:solidFill>
+                  <a:schemeClr val="tx2"/>
+                </a:solidFill>
+              </a:defRPr>
+            </a:lvl8pPr>
+            <a:lvl9pPr eaLnBrk="1" hangingPunct="1">
+              <a:defRPr>
+                <a:solidFill>
+                  <a:schemeClr val="tx2"/>
+                </a:solidFill>
+              </a:defRPr>
+            </a:lvl9pPr>
+          </a:lstStyle>
+          <a:p>
+            <a:pPr algn="l"/>
+            <a:r>
+              <a:rPr lang="es-ES" sz="2800" dirty="0" smtClean="0"/>
+              <a:t>Funciones adicionales</a:t>
+            </a:r>
+            <a:endParaRPr lang="es-ES" sz="2800" dirty="0"/>
+          </a:p>
+        </p:txBody>
+      </p:sp>
+      <p:pic>
+        <p:nvPicPr>
+          <p:cNvPr id="14" name="Picture 13"/>
+          <p:cNvPicPr>
+            <a:picLocks noChangeAspect="1"/>
+          </p:cNvPicPr>
+          <p:nvPr/>
+        </p:nvPicPr>
+        <p:blipFill>
+          <a:blip r:embed="rId5"/>
+          <a:stretch>
+            <a:fillRect/>
+          </a:stretch>
+        </p:blipFill>
+        <p:spPr>
+          <a:xfrm>
+            <a:off x="4378508" y="2092404"/>
+            <a:ext cx="4558143" cy="1780524"/>
+          </a:xfrm>
+          <a:prstGeom prst="rect">
+            <a:avLst/>
+          </a:prstGeom>
+        </p:spPr>
+      </p:pic>
+      <p:pic>
+        <p:nvPicPr>
+          <p:cNvPr id="15" name="Picture 14"/>
+          <p:cNvPicPr>
+            <a:picLocks noChangeAspect="1"/>
+          </p:cNvPicPr>
+          <p:nvPr/>
+        </p:nvPicPr>
+        <p:blipFill>
+          <a:blip r:embed="rId6"/>
+          <a:stretch>
+            <a:fillRect/>
+          </a:stretch>
+        </p:blipFill>
+        <p:spPr>
+          <a:xfrm>
+            <a:off x="5735653" y="4138097"/>
+            <a:ext cx="4555036" cy="1868733"/>
           </a:xfrm>
           <a:prstGeom prst="rect">
             <a:avLst/>
@@ -7845,7 +7885,7 @@
     </p:spTree>
     <p:extLst>
       <p:ext uri="{BB962C8B-B14F-4D97-AF65-F5344CB8AC3E}">
-        <p14:creationId xmlns:p14="http://schemas.microsoft.com/office/powerpoint/2010/main" val="1167483263"/>
+        <p14:creationId xmlns:p14="http://schemas.microsoft.com/office/powerpoint/2010/main" val="3645534753"/>
       </p:ext>
     </p:extLst>
   </p:cSld>
@@ -9779,11 +9819,7 @@
             </a:pPr>
             <a:r>
               <a:rPr lang="es-ES" dirty="0" smtClean="0"/>
-              <a:t>Se genera un hilo para esa </a:t>
-            </a:r>
-            <a:r>
-              <a:rPr lang="es-ES" dirty="0" smtClean="0"/>
-              <a:t>conexión</a:t>
+              <a:t>Se genera un hilo para esa conexión</a:t>
             </a:r>
           </a:p>
           <a:p>
@@ -9829,7 +9865,6 @@
               <a:rPr lang="es-ES" dirty="0" smtClean="0"/>
               <a:t>Selecciona el motor</a:t>
             </a:r>
-            <a:endParaRPr lang="es-ES" dirty="0" smtClean="0"/>
           </a:p>
         </p:txBody>
       </p:sp>
@@ -10183,17 +10218,7 @@
                   </a:schemeClr>
                 </a:solidFill>
               </a:rPr>
-              <a:t>Nota: Se pretende mostrar </a:t>
-            </a:r>
-            <a:r>
-              <a:rPr lang="es-ES" sz="1600" i="1" dirty="0" smtClean="0">
-                <a:solidFill>
-                  <a:schemeClr val="bg1">
-                    <a:lumMod val="65000"/>
-                  </a:schemeClr>
-                </a:solidFill>
-              </a:rPr>
-              <a:t>el flujo de lo más relevante.</a:t>
+              <a:t>Nota: Se pretende mostrar el flujo de lo más relevante.</a:t>
             </a:r>
             <a:endParaRPr lang="es-ES" sz="1600" i="1" dirty="0">
               <a:solidFill>
@@ -12595,9 +12620,112 @@
           </a:p>
         </p:txBody>
       </p:sp>
+      <p:sp>
+        <p:nvSpPr>
+          <p:cNvPr id="13" name="Title 1"/>
+          <p:cNvSpPr txBox="1">
+            <a:spLocks/>
+          </p:cNvSpPr>
+          <p:nvPr/>
+        </p:nvSpPr>
+        <p:spPr>
+          <a:xfrm>
+            <a:off x="6297612" y="0"/>
+            <a:ext cx="2752344" cy="822960"/>
+          </a:xfrm>
+          <a:prstGeom prst="rect">
+            <a:avLst/>
+          </a:prstGeom>
+        </p:spPr>
+        <p:txBody>
+          <a:bodyPr vert="horz" lIns="91440" tIns="45720" rIns="91440" bIns="45720" rtlCol="0" anchor="b">
+            <a:noAutofit/>
+          </a:bodyPr>
+          <a:lstStyle>
+            <a:lvl1pPr algn="r" defTabSz="457200" rtl="0" eaLnBrk="1" latinLnBrk="0" hangingPunct="1">
+              <a:spcBef>
+                <a:spcPct val="0"/>
+              </a:spcBef>
+              <a:buNone/>
+              <a:defRPr sz="5400" kern="1200">
+                <a:solidFill>
+                  <a:schemeClr val="accent1"/>
+                </a:solidFill>
+                <a:latin typeface="+mj-lt"/>
+                <a:ea typeface="+mj-ea"/>
+                <a:cs typeface="+mj-cs"/>
+              </a:defRPr>
+            </a:lvl1pPr>
+            <a:lvl2pPr eaLnBrk="1" hangingPunct="1">
+              <a:defRPr>
+                <a:solidFill>
+                  <a:schemeClr val="tx2"/>
+                </a:solidFill>
+              </a:defRPr>
+            </a:lvl2pPr>
+            <a:lvl3pPr eaLnBrk="1" hangingPunct="1">
+              <a:defRPr>
+                <a:solidFill>
+                  <a:schemeClr val="tx2"/>
+                </a:solidFill>
+              </a:defRPr>
+            </a:lvl3pPr>
+            <a:lvl4pPr eaLnBrk="1" hangingPunct="1">
+              <a:defRPr>
+                <a:solidFill>
+                  <a:schemeClr val="tx2"/>
+                </a:solidFill>
+              </a:defRPr>
+            </a:lvl4pPr>
+            <a:lvl5pPr eaLnBrk="1" hangingPunct="1">
+              <a:defRPr>
+                <a:solidFill>
+                  <a:schemeClr val="tx2"/>
+                </a:solidFill>
+              </a:defRPr>
+            </a:lvl5pPr>
+            <a:lvl6pPr eaLnBrk="1" hangingPunct="1">
+              <a:defRPr>
+                <a:solidFill>
+                  <a:schemeClr val="tx2"/>
+                </a:solidFill>
+              </a:defRPr>
+            </a:lvl6pPr>
+            <a:lvl7pPr eaLnBrk="1" hangingPunct="1">
+              <a:defRPr>
+                <a:solidFill>
+                  <a:schemeClr val="tx2"/>
+                </a:solidFill>
+              </a:defRPr>
+            </a:lvl7pPr>
+            <a:lvl8pPr eaLnBrk="1" hangingPunct="1">
+              <a:defRPr>
+                <a:solidFill>
+                  <a:schemeClr val="tx2"/>
+                </a:solidFill>
+              </a:defRPr>
+            </a:lvl8pPr>
+            <a:lvl9pPr eaLnBrk="1" hangingPunct="1">
+              <a:defRPr>
+                <a:solidFill>
+                  <a:schemeClr val="tx2"/>
+                </a:solidFill>
+              </a:defRPr>
+            </a:lvl9pPr>
+          </a:lstStyle>
+          <a:p>
+            <a:pPr algn="l"/>
+            <a:r>
+              <a:rPr lang="es-ES" sz="2800" dirty="0" smtClean="0"/>
+              <a:t>Función de selección de DB</a:t>
+            </a:r>
+            <a:endParaRPr lang="es-ES" sz="2800" dirty="0"/>
+          </a:p>
+        </p:txBody>
+      </p:sp>
       <p:pic>
         <p:nvPicPr>
-          <p:cNvPr id="10" name="Picture 9"/>
+          <p:cNvPr id="3" name="Picture 2"/>
           <p:cNvPicPr>
             <a:picLocks noChangeAspect="1"/>
           </p:cNvPicPr>
@@ -12611,8 +12739,8 @@
         </p:blipFill>
         <p:spPr>
           <a:xfrm>
-            <a:off x="107730" y="822960"/>
-            <a:ext cx="3741894" cy="5602942"/>
+            <a:off x="0" y="822960"/>
+            <a:ext cx="5161743" cy="6030745"/>
           </a:xfrm>
           <a:prstGeom prst="rect">
             <a:avLst/>
@@ -12621,7 +12749,7 @@
       </p:pic>
       <p:pic>
         <p:nvPicPr>
-          <p:cNvPr id="12" name="Picture 11"/>
+          <p:cNvPr id="8" name="Picture 7"/>
           <p:cNvPicPr>
             <a:picLocks noChangeAspect="1"/>
           </p:cNvPicPr>
@@ -12635,159 +12763,8 @@
         </p:blipFill>
         <p:spPr>
           <a:xfrm>
-            <a:off x="3893876" y="822960"/>
-            <a:ext cx="8238591" cy="1097280"/>
-          </a:xfrm>
-          <a:prstGeom prst="rect">
-            <a:avLst/>
-          </a:prstGeom>
-        </p:spPr>
-      </p:pic>
-      <p:sp>
-        <p:nvSpPr>
-          <p:cNvPr id="13" name="Title 1"/>
-          <p:cNvSpPr txBox="1">
-            <a:spLocks/>
-          </p:cNvSpPr>
-          <p:nvPr/>
-        </p:nvSpPr>
-        <p:spPr>
-          <a:xfrm>
-            <a:off x="6297612" y="0"/>
-            <a:ext cx="2752344" cy="822960"/>
-          </a:xfrm>
-          <a:prstGeom prst="rect">
-            <a:avLst/>
-          </a:prstGeom>
-        </p:spPr>
-        <p:txBody>
-          <a:bodyPr vert="horz" lIns="91440" tIns="45720" rIns="91440" bIns="45720" rtlCol="0" anchor="b">
-            <a:noAutofit/>
-          </a:bodyPr>
-          <a:lstStyle>
-            <a:lvl1pPr algn="r" defTabSz="457200" rtl="0" eaLnBrk="1" latinLnBrk="0" hangingPunct="1">
-              <a:spcBef>
-                <a:spcPct val="0"/>
-              </a:spcBef>
-              <a:buNone/>
-              <a:defRPr sz="5400" kern="1200">
-                <a:solidFill>
-                  <a:schemeClr val="accent1"/>
-                </a:solidFill>
-                <a:latin typeface="+mj-lt"/>
-                <a:ea typeface="+mj-ea"/>
-                <a:cs typeface="+mj-cs"/>
-              </a:defRPr>
-            </a:lvl1pPr>
-            <a:lvl2pPr eaLnBrk="1" hangingPunct="1">
-              <a:defRPr>
-                <a:solidFill>
-                  <a:schemeClr val="tx2"/>
-                </a:solidFill>
-              </a:defRPr>
-            </a:lvl2pPr>
-            <a:lvl3pPr eaLnBrk="1" hangingPunct="1">
-              <a:defRPr>
-                <a:solidFill>
-                  <a:schemeClr val="tx2"/>
-                </a:solidFill>
-              </a:defRPr>
-            </a:lvl3pPr>
-            <a:lvl4pPr eaLnBrk="1" hangingPunct="1">
-              <a:defRPr>
-                <a:solidFill>
-                  <a:schemeClr val="tx2"/>
-                </a:solidFill>
-              </a:defRPr>
-            </a:lvl4pPr>
-            <a:lvl5pPr eaLnBrk="1" hangingPunct="1">
-              <a:defRPr>
-                <a:solidFill>
-                  <a:schemeClr val="tx2"/>
-                </a:solidFill>
-              </a:defRPr>
-            </a:lvl5pPr>
-            <a:lvl6pPr eaLnBrk="1" hangingPunct="1">
-              <a:defRPr>
-                <a:solidFill>
-                  <a:schemeClr val="tx2"/>
-                </a:solidFill>
-              </a:defRPr>
-            </a:lvl6pPr>
-            <a:lvl7pPr eaLnBrk="1" hangingPunct="1">
-              <a:defRPr>
-                <a:solidFill>
-                  <a:schemeClr val="tx2"/>
-                </a:solidFill>
-              </a:defRPr>
-            </a:lvl7pPr>
-            <a:lvl8pPr eaLnBrk="1" hangingPunct="1">
-              <a:defRPr>
-                <a:solidFill>
-                  <a:schemeClr val="tx2"/>
-                </a:solidFill>
-              </a:defRPr>
-            </a:lvl8pPr>
-            <a:lvl9pPr eaLnBrk="1" hangingPunct="1">
-              <a:defRPr>
-                <a:solidFill>
-                  <a:schemeClr val="tx2"/>
-                </a:solidFill>
-              </a:defRPr>
-            </a:lvl9pPr>
-          </a:lstStyle>
-          <a:p>
-            <a:pPr algn="l"/>
-            <a:r>
-              <a:rPr lang="es-ES" sz="2800" dirty="0" smtClean="0"/>
-              <a:t>Funciones adicionales</a:t>
-            </a:r>
-            <a:endParaRPr lang="es-ES" sz="2800" dirty="0"/>
-          </a:p>
-        </p:txBody>
-      </p:sp>
-      <p:pic>
-        <p:nvPicPr>
-          <p:cNvPr id="14" name="Picture 13"/>
-          <p:cNvPicPr>
-            <a:picLocks noChangeAspect="1"/>
-          </p:cNvPicPr>
-          <p:nvPr/>
-        </p:nvPicPr>
-        <p:blipFill>
-          <a:blip r:embed="rId5"/>
-          <a:stretch>
-            <a:fillRect/>
-          </a:stretch>
-        </p:blipFill>
-        <p:spPr>
-          <a:xfrm>
-            <a:off x="4378508" y="2092404"/>
-            <a:ext cx="4558143" cy="1780524"/>
-          </a:xfrm>
-          <a:prstGeom prst="rect">
-            <a:avLst/>
-          </a:prstGeom>
-        </p:spPr>
-      </p:pic>
-      <p:pic>
-        <p:nvPicPr>
-          <p:cNvPr id="15" name="Picture 14"/>
-          <p:cNvPicPr>
-            <a:picLocks noChangeAspect="1"/>
-          </p:cNvPicPr>
-          <p:nvPr/>
-        </p:nvPicPr>
-        <p:blipFill>
-          <a:blip r:embed="rId6"/>
-          <a:stretch>
-            <a:fillRect/>
-          </a:stretch>
-        </p:blipFill>
-        <p:spPr>
-          <a:xfrm>
-            <a:off x="5735653" y="4138097"/>
-            <a:ext cx="4555036" cy="1868733"/>
+            <a:off x="5446906" y="822960"/>
+            <a:ext cx="6299524" cy="4953255"/>
           </a:xfrm>
           <a:prstGeom prst="rect">
             <a:avLst/>
@@ -12797,7 +12774,7 @@
     </p:spTree>
     <p:extLst>
       <p:ext uri="{BB962C8B-B14F-4D97-AF65-F5344CB8AC3E}">
-        <p14:creationId xmlns:p14="http://schemas.microsoft.com/office/powerpoint/2010/main" val="3645534753"/>
+        <p14:creationId xmlns:p14="http://schemas.microsoft.com/office/powerpoint/2010/main" val="1167483263"/>
       </p:ext>
     </p:extLst>
   </p:cSld>
